--- a/Images/Figures_PPT/PieCharts_TORC/ComponentsExcavataPieChartv2.pptx
+++ b/Images/Figures_PPT/PieCharts_TORC/ComponentsExcavataPieChartv2.pptx
@@ -307,7 +307,7 @@
           <a:p>
             <a:fld id="{E6744CE3-0875-4B69-89C0-6F72D8139561}" type="datetimeFigureOut">
               <a:rPr lang="en-GB" smtClean="0"/>
-              <a:t>13/05/2025</a:t>
+              <a:t>30/07/2025</a:t>
             </a:fld>
             <a:endParaRPr lang="en-GB"/>
           </a:p>
@@ -477,7 +477,7 @@
           <a:p>
             <a:fld id="{E6744CE3-0875-4B69-89C0-6F72D8139561}" type="datetimeFigureOut">
               <a:rPr lang="en-GB" smtClean="0"/>
-              <a:t>13/05/2025</a:t>
+              <a:t>30/07/2025</a:t>
             </a:fld>
             <a:endParaRPr lang="en-GB"/>
           </a:p>
@@ -723,7 +723,7 @@
           <a:p>
             <a:fld id="{E6744CE3-0875-4B69-89C0-6F72D8139561}" type="datetimeFigureOut">
               <a:rPr lang="en-GB" smtClean="0"/>
-              <a:t>13/05/2025</a:t>
+              <a:t>30/07/2025</a:t>
             </a:fld>
             <a:endParaRPr lang="en-GB"/>
           </a:p>
@@ -1011,7 +1011,7 @@
           <a:p>
             <a:fld id="{E6744CE3-0875-4B69-89C0-6F72D8139561}" type="datetimeFigureOut">
               <a:rPr lang="en-GB" smtClean="0"/>
-              <a:t>13/05/2025</a:t>
+              <a:t>30/07/2025</a:t>
             </a:fld>
             <a:endParaRPr lang="en-GB"/>
           </a:p>
@@ -1433,7 +1433,7 @@
           <a:p>
             <a:fld id="{E6744CE3-0875-4B69-89C0-6F72D8139561}" type="datetimeFigureOut">
               <a:rPr lang="en-GB" smtClean="0"/>
-              <a:t>13/05/2025</a:t>
+              <a:t>30/07/2025</a:t>
             </a:fld>
             <a:endParaRPr lang="en-GB"/>
           </a:p>
@@ -1551,7 +1551,7 @@
           <a:p>
             <a:fld id="{E6744CE3-0875-4B69-89C0-6F72D8139561}" type="datetimeFigureOut">
               <a:rPr lang="en-GB" smtClean="0"/>
-              <a:t>13/05/2025</a:t>
+              <a:t>30/07/2025</a:t>
             </a:fld>
             <a:endParaRPr lang="en-GB"/>
           </a:p>
@@ -1646,7 +1646,7 @@
           <a:p>
             <a:fld id="{E6744CE3-0875-4B69-89C0-6F72D8139561}" type="datetimeFigureOut">
               <a:rPr lang="en-GB" smtClean="0"/>
-              <a:t>13/05/2025</a:t>
+              <a:t>30/07/2025</a:t>
             </a:fld>
             <a:endParaRPr lang="en-GB"/>
           </a:p>
@@ -1859,7 +1859,7 @@
           <a:p>
             <a:fld id="{E6744CE3-0875-4B69-89C0-6F72D8139561}" type="datetimeFigureOut">
               <a:rPr lang="en-GB" smtClean="0"/>
-              <a:t>13/05/2025</a:t>
+              <a:t>30/07/2025</a:t>
             </a:fld>
             <a:endParaRPr lang="en-GB"/>
           </a:p>
@@ -2255,7 +2255,7 @@
               <a:off x="914400" y="914400"/>
               <a:ext cx="9144000" cy="6400800"/>
             </a:xfrm>
-            <a:prstGeom prst="rect">
+            <a:prstGeom prst="ellipse">
               <a:avLst/>
             </a:prstGeom>
             <a:solidFill>
@@ -2277,7 +2277,9 @@
             <a:bodyPr/>
             <a:lstStyle/>
             <a:p>
-              <a:endParaRPr/>
+              <a:endParaRPr sz="3600">
+                <a:latin typeface="Aptos" panose="020B0004020202020204" pitchFamily="34" charset="0"/>
+              </a:endParaRPr>
             </a:p>
           </p:txBody>
         </p:sp>
@@ -2292,747 +2294,9 @@
               <a:off x="3012873" y="1753332"/>
               <a:ext cx="4947049" cy="4946871"/>
             </a:xfrm>
-            <a:custGeom>
+            <a:prstGeom prst="ellipse">
               <a:avLst/>
-              <a:gdLst/>
-              <a:ahLst/>
-              <a:cxnLst/>
-              <a:rect l="0" t="0" r="0" b="0"/>
-              <a:pathLst>
-                <a:path w="4947049" h="4946871">
-                  <a:moveTo>
-                    <a:pt x="2473524" y="2473613"/>
-                  </a:moveTo>
-                  <a:lnTo>
-                    <a:pt x="2473524" y="2388316"/>
-                  </a:lnTo>
-                  <a:lnTo>
-                    <a:pt x="2473524" y="2303019"/>
-                  </a:lnTo>
-                  <a:lnTo>
-                    <a:pt x="2473524" y="2217722"/>
-                  </a:lnTo>
-                  <a:lnTo>
-                    <a:pt x="2473524" y="2132425"/>
-                  </a:lnTo>
-                  <a:lnTo>
-                    <a:pt x="2473524" y="2047128"/>
-                  </a:lnTo>
-                  <a:lnTo>
-                    <a:pt x="2473524" y="1961831"/>
-                  </a:lnTo>
-                  <a:lnTo>
-                    <a:pt x="2473524" y="1876534"/>
-                  </a:lnTo>
-                  <a:lnTo>
-                    <a:pt x="2473524" y="1791237"/>
-                  </a:lnTo>
-                  <a:lnTo>
-                    <a:pt x="2473524" y="1705940"/>
-                  </a:lnTo>
-                  <a:lnTo>
-                    <a:pt x="2473524" y="1620643"/>
-                  </a:lnTo>
-                  <a:lnTo>
-                    <a:pt x="2473524" y="1535346"/>
-                  </a:lnTo>
-                  <a:lnTo>
-                    <a:pt x="2473524" y="1450049"/>
-                  </a:lnTo>
-                  <a:lnTo>
-                    <a:pt x="2473524" y="1364752"/>
-                  </a:lnTo>
-                  <a:lnTo>
-                    <a:pt x="2473524" y="1279455"/>
-                  </a:lnTo>
-                  <a:lnTo>
-                    <a:pt x="2473524" y="1194158"/>
-                  </a:lnTo>
-                  <a:lnTo>
-                    <a:pt x="2473524" y="1108861"/>
-                  </a:lnTo>
-                  <a:lnTo>
-                    <a:pt x="2473524" y="1023564"/>
-                  </a:lnTo>
-                  <a:lnTo>
-                    <a:pt x="2473524" y="938267"/>
-                  </a:lnTo>
-                  <a:lnTo>
-                    <a:pt x="2473524" y="852970"/>
-                  </a:lnTo>
-                  <a:lnTo>
-                    <a:pt x="2473524" y="767673"/>
-                  </a:lnTo>
-                  <a:lnTo>
-                    <a:pt x="2473524" y="682376"/>
-                  </a:lnTo>
-                  <a:lnTo>
-                    <a:pt x="2473524" y="597079"/>
-                  </a:lnTo>
-                  <a:lnTo>
-                    <a:pt x="2473524" y="511782"/>
-                  </a:lnTo>
-                  <a:lnTo>
-                    <a:pt x="2473524" y="426485"/>
-                  </a:lnTo>
-                  <a:lnTo>
-                    <a:pt x="2473524" y="341188"/>
-                  </a:lnTo>
-                  <a:lnTo>
-                    <a:pt x="2473524" y="255891"/>
-                  </a:lnTo>
-                  <a:lnTo>
-                    <a:pt x="2473524" y="170594"/>
-                  </a:lnTo>
-                  <a:lnTo>
-                    <a:pt x="2473524" y="85297"/>
-                  </a:lnTo>
-                  <a:lnTo>
-                    <a:pt x="2473524" y="0"/>
-                  </a:lnTo>
-                  <a:lnTo>
-                    <a:pt x="2389529" y="1426"/>
-                  </a:lnTo>
-                  <a:lnTo>
-                    <a:pt x="2305630" y="5704"/>
-                  </a:lnTo>
-                  <a:lnTo>
-                    <a:pt x="2221925" y="12828"/>
-                  </a:lnTo>
-                  <a:lnTo>
-                    <a:pt x="2138510" y="22791"/>
-                  </a:lnTo>
-                  <a:lnTo>
-                    <a:pt x="2055481" y="35580"/>
-                  </a:lnTo>
-                  <a:lnTo>
-                    <a:pt x="1972935" y="51182"/>
-                  </a:lnTo>
-                  <a:lnTo>
-                    <a:pt x="1890966" y="69577"/>
-                  </a:lnTo>
-                  <a:lnTo>
-                    <a:pt x="1809669" y="90745"/>
-                  </a:lnTo>
-                  <a:lnTo>
-                    <a:pt x="1729138" y="114661"/>
-                  </a:lnTo>
-                  <a:lnTo>
-                    <a:pt x="1649465" y="141299"/>
-                  </a:lnTo>
-                  <a:lnTo>
-                    <a:pt x="1570743" y="170626"/>
-                  </a:lnTo>
-                  <a:lnTo>
-                    <a:pt x="1493062" y="202609"/>
-                  </a:lnTo>
-                  <a:lnTo>
-                    <a:pt x="1416511" y="237212"/>
-                  </a:lnTo>
-                  <a:lnTo>
-                    <a:pt x="1341180" y="274395"/>
-                  </a:lnTo>
-                  <a:lnTo>
-                    <a:pt x="1267155" y="314114"/>
-                  </a:lnTo>
-                  <a:lnTo>
-                    <a:pt x="1194522" y="356323"/>
-                  </a:lnTo>
-                  <a:lnTo>
-                    <a:pt x="1123363" y="400975"/>
-                  </a:lnTo>
-                  <a:lnTo>
-                    <a:pt x="1053762" y="448017"/>
-                  </a:lnTo>
-                  <a:lnTo>
-                    <a:pt x="985798" y="497396"/>
-                  </a:lnTo>
-                  <a:lnTo>
-                    <a:pt x="919551" y="549053"/>
-                  </a:lnTo>
-                  <a:lnTo>
-                    <a:pt x="855095" y="602931"/>
-                  </a:lnTo>
-                  <a:lnTo>
-                    <a:pt x="792506" y="658966"/>
-                  </a:lnTo>
-                  <a:lnTo>
-                    <a:pt x="731856" y="717094"/>
-                  </a:lnTo>
-                  <a:lnTo>
-                    <a:pt x="673215" y="777249"/>
-                  </a:lnTo>
-                  <a:lnTo>
-                    <a:pt x="616651" y="839359"/>
-                  </a:lnTo>
-                  <a:lnTo>
-                    <a:pt x="562228" y="903355"/>
-                  </a:lnTo>
-                  <a:lnTo>
-                    <a:pt x="510009" y="969162"/>
-                  </a:lnTo>
-                  <a:lnTo>
-                    <a:pt x="460056" y="1036704"/>
-                  </a:lnTo>
-                  <a:lnTo>
-                    <a:pt x="412424" y="1105903"/>
-                  </a:lnTo>
-                  <a:lnTo>
-                    <a:pt x="367170" y="1176680"/>
-                  </a:lnTo>
-                  <a:lnTo>
-                    <a:pt x="324345" y="1248952"/>
-                  </a:lnTo>
-                  <a:lnTo>
-                    <a:pt x="283999" y="1322637"/>
-                  </a:lnTo>
-                  <a:lnTo>
-                    <a:pt x="246179" y="1397650"/>
-                  </a:lnTo>
-                  <a:lnTo>
-                    <a:pt x="210927" y="1473904"/>
-                  </a:lnTo>
-                  <a:lnTo>
-                    <a:pt x="178285" y="1551310"/>
-                  </a:lnTo>
-                  <a:lnTo>
-                    <a:pt x="148290" y="1629781"/>
-                  </a:lnTo>
-                  <a:lnTo>
-                    <a:pt x="120978" y="1709225"/>
-                  </a:lnTo>
-                  <a:lnTo>
-                    <a:pt x="96378" y="1789550"/>
-                  </a:lnTo>
-                  <a:lnTo>
-                    <a:pt x="74521" y="1870664"/>
-                  </a:lnTo>
-                  <a:lnTo>
-                    <a:pt x="55430" y="1952474"/>
-                  </a:lnTo>
-                  <a:lnTo>
-                    <a:pt x="39128" y="2034885"/>
-                  </a:lnTo>
-                  <a:lnTo>
-                    <a:pt x="25635" y="2117802"/>
-                  </a:lnTo>
-                  <a:lnTo>
-                    <a:pt x="14964" y="2201129"/>
-                  </a:lnTo>
-                  <a:lnTo>
-                    <a:pt x="7129" y="2284771"/>
-                  </a:lnTo>
-                  <a:lnTo>
-                    <a:pt x="2139" y="2368630"/>
-                  </a:lnTo>
-                  <a:lnTo>
-                    <a:pt x="0" y="2452611"/>
-                  </a:lnTo>
-                  <a:lnTo>
-                    <a:pt x="713" y="2536615"/>
-                  </a:lnTo>
-                  <a:lnTo>
-                    <a:pt x="4278" y="2620547"/>
-                  </a:lnTo>
-                  <a:lnTo>
-                    <a:pt x="10692" y="2704310"/>
-                  </a:lnTo>
-                  <a:lnTo>
-                    <a:pt x="19946" y="2787806"/>
-                  </a:lnTo>
-                  <a:lnTo>
-                    <a:pt x="32029" y="2870941"/>
-                  </a:lnTo>
-                  <a:lnTo>
-                    <a:pt x="46929" y="2953616"/>
-                  </a:lnTo>
-                  <a:lnTo>
-                    <a:pt x="64628" y="3035739"/>
-                  </a:lnTo>
-                  <a:lnTo>
-                    <a:pt x="85105" y="3117212"/>
-                  </a:lnTo>
-                  <a:lnTo>
-                    <a:pt x="108337" y="3197944"/>
-                  </a:lnTo>
-                  <a:lnTo>
-                    <a:pt x="134297" y="3277840"/>
-                  </a:lnTo>
-                  <a:lnTo>
-                    <a:pt x="162955" y="3356809"/>
-                  </a:lnTo>
-                  <a:lnTo>
-                    <a:pt x="194277" y="3434758"/>
-                  </a:lnTo>
-                  <a:lnTo>
-                    <a:pt x="228229" y="3511600"/>
-                  </a:lnTo>
-                  <a:lnTo>
-                    <a:pt x="264770" y="3587244"/>
-                  </a:lnTo>
-                  <a:lnTo>
-                    <a:pt x="303859" y="3661603"/>
-                  </a:lnTo>
-                  <a:lnTo>
-                    <a:pt x="345451" y="3734593"/>
-                  </a:lnTo>
-                  <a:lnTo>
-                    <a:pt x="389497" y="3806128"/>
-                  </a:lnTo>
-                  <a:lnTo>
-                    <a:pt x="435946" y="3876126"/>
-                  </a:lnTo>
-                  <a:lnTo>
-                    <a:pt x="484746" y="3944506"/>
-                  </a:lnTo>
-                  <a:lnTo>
-                    <a:pt x="535839" y="4011190"/>
-                  </a:lnTo>
-                  <a:lnTo>
-                    <a:pt x="589168" y="4076101"/>
-                  </a:lnTo>
-                  <a:lnTo>
-                    <a:pt x="644669" y="4139163"/>
-                  </a:lnTo>
-                  <a:lnTo>
-                    <a:pt x="702281" y="4200304"/>
-                  </a:lnTo>
-                  <a:lnTo>
-                    <a:pt x="761935" y="4259454"/>
-                  </a:lnTo>
-                  <a:lnTo>
-                    <a:pt x="823563" y="4316544"/>
-                  </a:lnTo>
-                  <a:lnTo>
-                    <a:pt x="887094" y="4371508"/>
-                  </a:lnTo>
-                  <a:lnTo>
-                    <a:pt x="952455" y="4424284"/>
-                  </a:lnTo>
-                  <a:lnTo>
-                    <a:pt x="1019570" y="4474809"/>
-                  </a:lnTo>
-                  <a:lnTo>
-                    <a:pt x="1088363" y="4523026"/>
-                  </a:lnTo>
-                  <a:lnTo>
-                    <a:pt x="1158753" y="4568880"/>
-                  </a:lnTo>
-                  <a:lnTo>
-                    <a:pt x="1230659" y="4612317"/>
-                  </a:lnTo>
-                  <a:lnTo>
-                    <a:pt x="1303999" y="4653287"/>
-                  </a:lnTo>
-                  <a:lnTo>
-                    <a:pt x="1378688" y="4691743"/>
-                  </a:lnTo>
-                  <a:lnTo>
-                    <a:pt x="1454640" y="4727641"/>
-                  </a:lnTo>
-                  <a:lnTo>
-                    <a:pt x="1531766" y="4760939"/>
-                  </a:lnTo>
-                  <a:lnTo>
-                    <a:pt x="1609979" y="4791599"/>
-                  </a:lnTo>
-                  <a:lnTo>
-                    <a:pt x="1689188" y="4819585"/>
-                  </a:lnTo>
-                  <a:lnTo>
-                    <a:pt x="1769302" y="4844866"/>
-                  </a:lnTo>
-                  <a:lnTo>
-                    <a:pt x="1850228" y="4867411"/>
-                  </a:lnTo>
-                  <a:lnTo>
-                    <a:pt x="1931873" y="4887196"/>
-                  </a:lnTo>
-                  <a:lnTo>
-                    <a:pt x="2014142" y="4904196"/>
-                  </a:lnTo>
-                  <a:lnTo>
-                    <a:pt x="2096941" y="4918394"/>
-                  </a:lnTo>
-                  <a:lnTo>
-                    <a:pt x="2180175" y="4929771"/>
-                  </a:lnTo>
-                  <a:lnTo>
-                    <a:pt x="2263747" y="4938316"/>
-                  </a:lnTo>
-                  <a:lnTo>
-                    <a:pt x="2347561" y="4944018"/>
-                  </a:lnTo>
-                  <a:lnTo>
-                    <a:pt x="2431520" y="4946871"/>
-                  </a:lnTo>
-                  <a:lnTo>
-                    <a:pt x="2515528" y="4946871"/>
-                  </a:lnTo>
-                  <a:lnTo>
-                    <a:pt x="2599487" y="4944018"/>
-                  </a:lnTo>
-                  <a:lnTo>
-                    <a:pt x="2683301" y="4938316"/>
-                  </a:lnTo>
-                  <a:lnTo>
-                    <a:pt x="2766873" y="4929771"/>
-                  </a:lnTo>
-                  <a:lnTo>
-                    <a:pt x="2850107" y="4918394"/>
-                  </a:lnTo>
-                  <a:lnTo>
-                    <a:pt x="2932906" y="4904196"/>
-                  </a:lnTo>
-                  <a:lnTo>
-                    <a:pt x="3015176" y="4887196"/>
-                  </a:lnTo>
-                  <a:lnTo>
-                    <a:pt x="3096821" y="4867411"/>
-                  </a:lnTo>
-                  <a:lnTo>
-                    <a:pt x="3177747" y="4844866"/>
-                  </a:lnTo>
-                  <a:lnTo>
-                    <a:pt x="3257860" y="4819585"/>
-                  </a:lnTo>
-                  <a:lnTo>
-                    <a:pt x="3337069" y="4791599"/>
-                  </a:lnTo>
-                  <a:lnTo>
-                    <a:pt x="3415282" y="4760939"/>
-                  </a:lnTo>
-                  <a:lnTo>
-                    <a:pt x="3492409" y="4727641"/>
-                  </a:lnTo>
-                  <a:lnTo>
-                    <a:pt x="3568361" y="4691743"/>
-                  </a:lnTo>
-                  <a:lnTo>
-                    <a:pt x="3643049" y="4653287"/>
-                  </a:lnTo>
-                  <a:lnTo>
-                    <a:pt x="3716389" y="4612317"/>
-                  </a:lnTo>
-                  <a:lnTo>
-                    <a:pt x="3788296" y="4568880"/>
-                  </a:lnTo>
-                  <a:lnTo>
-                    <a:pt x="3858686" y="4523026"/>
-                  </a:lnTo>
-                  <a:lnTo>
-                    <a:pt x="3927478" y="4474809"/>
-                  </a:lnTo>
-                  <a:lnTo>
-                    <a:pt x="3994593" y="4424284"/>
-                  </a:lnTo>
-                  <a:lnTo>
-                    <a:pt x="4059954" y="4371508"/>
-                  </a:lnTo>
-                  <a:lnTo>
-                    <a:pt x="4123486" y="4316544"/>
-                  </a:lnTo>
-                  <a:lnTo>
-                    <a:pt x="4185114" y="4259454"/>
-                  </a:lnTo>
-                  <a:lnTo>
-                    <a:pt x="4244768" y="4200304"/>
-                  </a:lnTo>
-                  <a:lnTo>
-                    <a:pt x="4302379" y="4139163"/>
-                  </a:lnTo>
-                  <a:lnTo>
-                    <a:pt x="4357881" y="4076101"/>
-                  </a:lnTo>
-                  <a:lnTo>
-                    <a:pt x="4411209" y="4011190"/>
-                  </a:lnTo>
-                  <a:lnTo>
-                    <a:pt x="4462303" y="3944506"/>
-                  </a:lnTo>
-                  <a:lnTo>
-                    <a:pt x="4511102" y="3876126"/>
-                  </a:lnTo>
-                  <a:lnTo>
-                    <a:pt x="4557552" y="3806128"/>
-                  </a:lnTo>
-                  <a:lnTo>
-                    <a:pt x="4601598" y="3734593"/>
-                  </a:lnTo>
-                  <a:lnTo>
-                    <a:pt x="4643189" y="3661603"/>
-                  </a:lnTo>
-                  <a:lnTo>
-                    <a:pt x="4682278" y="3587244"/>
-                  </a:lnTo>
-                  <a:lnTo>
-                    <a:pt x="4718819" y="3511600"/>
-                  </a:lnTo>
-                  <a:lnTo>
-                    <a:pt x="4752771" y="3434758"/>
-                  </a:lnTo>
-                  <a:lnTo>
-                    <a:pt x="4784094" y="3356809"/>
-                  </a:lnTo>
-                  <a:lnTo>
-                    <a:pt x="4812752" y="3277840"/>
-                  </a:lnTo>
-                  <a:lnTo>
-                    <a:pt x="4838712" y="3197944"/>
-                  </a:lnTo>
-                  <a:lnTo>
-                    <a:pt x="4861943" y="3117212"/>
-                  </a:lnTo>
-                  <a:lnTo>
-                    <a:pt x="4882421" y="3035739"/>
-                  </a:lnTo>
-                  <a:lnTo>
-                    <a:pt x="4900119" y="2953616"/>
-                  </a:lnTo>
-                  <a:lnTo>
-                    <a:pt x="4915019" y="2870941"/>
-                  </a:lnTo>
-                  <a:lnTo>
-                    <a:pt x="4927103" y="2787806"/>
-                  </a:lnTo>
-                  <a:lnTo>
-                    <a:pt x="4936357" y="2704310"/>
-                  </a:lnTo>
-                  <a:lnTo>
-                    <a:pt x="4942770" y="2620547"/>
-                  </a:lnTo>
-                  <a:lnTo>
-                    <a:pt x="4946336" y="2536615"/>
-                  </a:lnTo>
-                  <a:lnTo>
-                    <a:pt x="4947049" y="2452611"/>
-                  </a:lnTo>
-                  <a:lnTo>
-                    <a:pt x="4944909" y="2368630"/>
-                  </a:lnTo>
-                  <a:lnTo>
-                    <a:pt x="4939919" y="2284771"/>
-                  </a:lnTo>
-                  <a:lnTo>
-                    <a:pt x="4932084" y="2201129"/>
-                  </a:lnTo>
-                  <a:lnTo>
-                    <a:pt x="4921414" y="2117802"/>
-                  </a:lnTo>
-                  <a:lnTo>
-                    <a:pt x="4907920" y="2034885"/>
-                  </a:lnTo>
-                  <a:lnTo>
-                    <a:pt x="4891619" y="1952474"/>
-                  </a:lnTo>
-                  <a:lnTo>
-                    <a:pt x="4872528" y="1870664"/>
-                  </a:lnTo>
-                  <a:lnTo>
-                    <a:pt x="4850670" y="1789550"/>
-                  </a:lnTo>
-                  <a:lnTo>
-                    <a:pt x="4826071" y="1709225"/>
-                  </a:lnTo>
-                  <a:lnTo>
-                    <a:pt x="4798758" y="1629781"/>
-                  </a:lnTo>
-                  <a:lnTo>
-                    <a:pt x="4768763" y="1551310"/>
-                  </a:lnTo>
-                  <a:lnTo>
-                    <a:pt x="4736122" y="1473904"/>
-                  </a:lnTo>
-                  <a:lnTo>
-                    <a:pt x="4700870" y="1397650"/>
-                  </a:lnTo>
-                  <a:lnTo>
-                    <a:pt x="4663049" y="1322637"/>
-                  </a:lnTo>
-                  <a:lnTo>
-                    <a:pt x="4622703" y="1248952"/>
-                  </a:lnTo>
-                  <a:lnTo>
-                    <a:pt x="4579879" y="1176680"/>
-                  </a:lnTo>
-                  <a:lnTo>
-                    <a:pt x="4534624" y="1105903"/>
-                  </a:lnTo>
-                  <a:lnTo>
-                    <a:pt x="4486993" y="1036704"/>
-                  </a:lnTo>
-                  <a:lnTo>
-                    <a:pt x="4437039" y="969162"/>
-                  </a:lnTo>
-                  <a:lnTo>
-                    <a:pt x="4384821" y="903355"/>
-                  </a:lnTo>
-                  <a:lnTo>
-                    <a:pt x="4330398" y="839359"/>
-                  </a:lnTo>
-                  <a:lnTo>
-                    <a:pt x="4273833" y="777249"/>
-                  </a:lnTo>
-                  <a:lnTo>
-                    <a:pt x="4215192" y="717094"/>
-                  </a:lnTo>
-                  <a:lnTo>
-                    <a:pt x="4154542" y="658966"/>
-                  </a:lnTo>
-                  <a:lnTo>
-                    <a:pt x="4091953" y="602931"/>
-                  </a:lnTo>
-                  <a:lnTo>
-                    <a:pt x="4027498" y="549053"/>
-                  </a:lnTo>
-                  <a:lnTo>
-                    <a:pt x="3961250" y="497396"/>
-                  </a:lnTo>
-                  <a:lnTo>
-                    <a:pt x="3893287" y="448017"/>
-                  </a:lnTo>
-                  <a:lnTo>
-                    <a:pt x="3823685" y="400975"/>
-                  </a:lnTo>
-                  <a:lnTo>
-                    <a:pt x="3752527" y="356323"/>
-                  </a:lnTo>
-                  <a:lnTo>
-                    <a:pt x="3679893" y="314114"/>
-                  </a:lnTo>
-                  <a:lnTo>
-                    <a:pt x="3605868" y="274395"/>
-                  </a:lnTo>
-                  <a:lnTo>
-                    <a:pt x="3530537" y="237212"/>
-                  </a:lnTo>
-                  <a:lnTo>
-                    <a:pt x="3453987" y="202609"/>
-                  </a:lnTo>
-                  <a:lnTo>
-                    <a:pt x="3376306" y="170626"/>
-                  </a:lnTo>
-                  <a:lnTo>
-                    <a:pt x="3297584" y="141299"/>
-                  </a:lnTo>
-                  <a:lnTo>
-                    <a:pt x="3217911" y="114661"/>
-                  </a:lnTo>
-                  <a:lnTo>
-                    <a:pt x="3137379" y="90745"/>
-                  </a:lnTo>
-                  <a:lnTo>
-                    <a:pt x="3056082" y="69577"/>
-                  </a:lnTo>
-                  <a:lnTo>
-                    <a:pt x="2974113" y="51182"/>
-                  </a:lnTo>
-                  <a:lnTo>
-                    <a:pt x="2891567" y="35580"/>
-                  </a:lnTo>
-                  <a:lnTo>
-                    <a:pt x="2808539" y="22791"/>
-                  </a:lnTo>
-                  <a:lnTo>
-                    <a:pt x="2725124" y="12828"/>
-                  </a:lnTo>
-                  <a:lnTo>
-                    <a:pt x="2641419" y="5704"/>
-                  </a:lnTo>
-                  <a:lnTo>
-                    <a:pt x="2557520" y="1426"/>
-                  </a:lnTo>
-                  <a:lnTo>
-                    <a:pt x="2473524" y="0"/>
-                  </a:lnTo>
-                  <a:lnTo>
-                    <a:pt x="2473524" y="85297"/>
-                  </a:lnTo>
-                  <a:lnTo>
-                    <a:pt x="2473524" y="170594"/>
-                  </a:lnTo>
-                  <a:lnTo>
-                    <a:pt x="2473524" y="255891"/>
-                  </a:lnTo>
-                  <a:lnTo>
-                    <a:pt x="2473524" y="341188"/>
-                  </a:lnTo>
-                  <a:lnTo>
-                    <a:pt x="2473524" y="426485"/>
-                  </a:lnTo>
-                  <a:lnTo>
-                    <a:pt x="2473524" y="511782"/>
-                  </a:lnTo>
-                  <a:lnTo>
-                    <a:pt x="2473524" y="597079"/>
-                  </a:lnTo>
-                  <a:lnTo>
-                    <a:pt x="2473524" y="682376"/>
-                  </a:lnTo>
-                  <a:lnTo>
-                    <a:pt x="2473524" y="767673"/>
-                  </a:lnTo>
-                  <a:lnTo>
-                    <a:pt x="2473524" y="852970"/>
-                  </a:lnTo>
-                  <a:lnTo>
-                    <a:pt x="2473524" y="938267"/>
-                  </a:lnTo>
-                  <a:lnTo>
-                    <a:pt x="2473524" y="1023564"/>
-                  </a:lnTo>
-                  <a:lnTo>
-                    <a:pt x="2473524" y="1108861"/>
-                  </a:lnTo>
-                  <a:lnTo>
-                    <a:pt x="2473524" y="1194158"/>
-                  </a:lnTo>
-                  <a:lnTo>
-                    <a:pt x="2473524" y="1279455"/>
-                  </a:lnTo>
-                  <a:lnTo>
-                    <a:pt x="2473524" y="1364752"/>
-                  </a:lnTo>
-                  <a:lnTo>
-                    <a:pt x="2473524" y="1450049"/>
-                  </a:lnTo>
-                  <a:lnTo>
-                    <a:pt x="2473524" y="1535346"/>
-                  </a:lnTo>
-                  <a:lnTo>
-                    <a:pt x="2473524" y="1620643"/>
-                  </a:lnTo>
-                  <a:lnTo>
-                    <a:pt x="2473524" y="1705940"/>
-                  </a:lnTo>
-                  <a:lnTo>
-                    <a:pt x="2473524" y="1791237"/>
-                  </a:lnTo>
-                  <a:lnTo>
-                    <a:pt x="2473524" y="1876534"/>
-                  </a:lnTo>
-                  <a:lnTo>
-                    <a:pt x="2473524" y="1961831"/>
-                  </a:lnTo>
-                  <a:lnTo>
-                    <a:pt x="2473524" y="2047128"/>
-                  </a:lnTo>
-                  <a:lnTo>
-                    <a:pt x="2473524" y="2132425"/>
-                  </a:lnTo>
-                  <a:lnTo>
-                    <a:pt x="2473524" y="2217722"/>
-                  </a:lnTo>
-                  <a:lnTo>
-                    <a:pt x="2473524" y="2303019"/>
-                  </a:lnTo>
-                  <a:lnTo>
-                    <a:pt x="2473524" y="2388316"/>
-                  </a:lnTo>
-                  <a:close/>
-                </a:path>
-              </a:pathLst>
-            </a:custGeom>
+            </a:prstGeom>
             <a:solidFill>
               <a:srgbClr val="DACC3E">
                 <a:alpha val="100000"/>
@@ -3052,7 +2316,9 @@
             <a:bodyPr/>
             <a:lstStyle/>
             <a:p>
-              <a:endParaRPr/>
+              <a:endParaRPr sz="3600">
+                <a:latin typeface="Aptos" panose="020B0004020202020204" pitchFamily="34" charset="0"/>
+              </a:endParaRPr>
             </a:p>
           </p:txBody>
         </p:sp>
@@ -3067,7 +2333,7 @@
               <a:off x="4588934" y="4298776"/>
               <a:ext cx="1794928" cy="161548"/>
             </a:xfrm>
-            <a:prstGeom prst="rect">
+            <a:prstGeom prst="ellipse">
               <a:avLst/>
             </a:prstGeom>
             <a:noFill/>
@@ -3088,129 +2354,25 @@
                 </a:spcAft>
               </a:pPr>
               <a:r>
-                <a:rPr sz="1707" dirty="0">
+                <a:rPr lang="en-US" sz="3600" dirty="0">
                   <a:solidFill>
                     <a:srgbClr val="000000">
                       <a:alpha val="100000"/>
                     </a:srgbClr>
                   </a:solidFill>
-                  <a:latin typeface="Arial"/>
+                  <a:latin typeface="Aptos" panose="020B0004020202020204" pitchFamily="34" charset="0"/>
                   <a:cs typeface="Arial"/>
                 </a:rPr>
-                <a:t>TORC1 &amp; TORC2 </a:t>
+                <a:t>TORC 1&amp;2</a:t>
               </a:r>
-            </a:p>
-          </p:txBody>
-        </p:sp>
-        <p:sp>
-          <p:nvSpPr>
-            <p:cNvPr id="7" name="tx6"/>
-            <p:cNvSpPr/>
-            <p:nvPr/>
-          </p:nvSpPr>
-          <p:spPr>
-            <a:xfrm>
-              <a:off x="5148902" y="4522482"/>
-              <a:ext cx="674990" cy="163560"/>
-            </a:xfrm>
-            <a:prstGeom prst="rect">
-              <a:avLst/>
-            </a:prstGeom>
-            <a:noFill/>
-          </p:spPr>
-          <p:txBody>
-            <a:bodyPr wrap="none" lIns="0" tIns="0" rIns="0" bIns="0" anchor="ctr" anchorCtr="1"/>
-            <a:lstStyle/>
-            <a:p>
-              <a:pPr marL="0" marR="0" indent="0" algn="l">
-                <a:lnSpc>
-                  <a:spcPts val="1707"/>
-                </a:lnSpc>
-                <a:spcBef>
-                  <a:spcPts val="0"/>
-                </a:spcBef>
-                <a:spcAft>
-                  <a:spcPts val="0"/>
-                </a:spcAft>
-              </a:pPr>
-              <a:r>
-                <a:rPr sz="1707" dirty="0">
-                  <a:solidFill>
-                    <a:srgbClr val="000000">
-                      <a:alpha val="100000"/>
-                    </a:srgbClr>
-                  </a:solidFill>
-                  <a:latin typeface="Arial"/>
-                  <a:cs typeface="Arial"/>
-                </a:rPr>
-                <a:t> 100 %</a:t>
-              </a:r>
-            </a:p>
-          </p:txBody>
-        </p:sp>
-        <p:sp>
-          <p:nvSpPr>
-            <p:cNvPr id="8" name="tx7"/>
-            <p:cNvSpPr/>
-            <p:nvPr/>
-          </p:nvSpPr>
-          <p:spPr>
-            <a:xfrm>
-              <a:off x="1021904" y="986085"/>
-              <a:ext cx="2602349" cy="152251"/>
-            </a:xfrm>
-            <a:prstGeom prst="rect">
-              <a:avLst/>
-            </a:prstGeom>
-            <a:noFill/>
-          </p:spPr>
-          <p:txBody>
-            <a:bodyPr wrap="none" lIns="0" tIns="0" rIns="0" bIns="0" anchor="ctr" anchorCtr="1"/>
-            <a:lstStyle/>
-            <a:p>
-              <a:pPr marL="0" marR="0" indent="0" algn="l">
-                <a:lnSpc>
-                  <a:spcPts val="1320"/>
-                </a:lnSpc>
-                <a:spcBef>
-                  <a:spcPts val="0"/>
-                </a:spcBef>
-                <a:spcAft>
-                  <a:spcPts val="0"/>
-                </a:spcAft>
-              </a:pPr>
-              <a:r>
-                <a:rPr sz="1320" dirty="0">
-                  <a:solidFill>
-                    <a:srgbClr val="000000">
-                      <a:alpha val="100000"/>
-                    </a:srgbClr>
-                  </a:solidFill>
-                  <a:latin typeface="Times New Roman"/>
-                  <a:cs typeface="Times New Roman"/>
-                </a:rPr>
-                <a:t>TOR Complexes Breakdown </a:t>
-              </a:r>
-              <a:r>
-                <a:rPr sz="1320" dirty="0" err="1">
-                  <a:solidFill>
-                    <a:srgbClr val="000000">
-                      <a:alpha val="100000"/>
-                    </a:srgbClr>
-                  </a:solidFill>
-                  <a:latin typeface="Times New Roman"/>
-                  <a:cs typeface="Times New Roman"/>
-                </a:rPr>
-                <a:t>Excavata</a:t>
-              </a:r>
-              <a:endParaRPr sz="1320" dirty="0">
+              <a:endParaRPr sz="3600" dirty="0">
                 <a:solidFill>
                   <a:srgbClr val="000000">
                     <a:alpha val="100000"/>
                   </a:srgbClr>
                 </a:solidFill>
-                <a:latin typeface="Times New Roman"/>
-                <a:cs typeface="Times New Roman"/>
+                <a:latin typeface="Aptos" panose="020B0004020202020204" pitchFamily="34" charset="0"/>
+                <a:cs typeface="Arial"/>
               </a:endParaRPr>
             </a:p>
           </p:txBody>

--- a/Images/Figures_PPT/PieCharts_TORC/ComponentsExcavataPieChartv2.pptx
+++ b/Images/Figures_PPT/PieCharts_TORC/ComponentsExcavataPieChartv2.pptx
@@ -307,7 +307,7 @@
           <a:p>
             <a:fld id="{E6744CE3-0875-4B69-89C0-6F72D8139561}" type="datetimeFigureOut">
               <a:rPr lang="en-GB" smtClean="0"/>
-              <a:t>30/07/2025</a:t>
+              <a:t>05/08/2025</a:t>
             </a:fld>
             <a:endParaRPr lang="en-GB"/>
           </a:p>
@@ -477,7 +477,7 @@
           <a:p>
             <a:fld id="{E6744CE3-0875-4B69-89C0-6F72D8139561}" type="datetimeFigureOut">
               <a:rPr lang="en-GB" smtClean="0"/>
-              <a:t>30/07/2025</a:t>
+              <a:t>05/08/2025</a:t>
             </a:fld>
             <a:endParaRPr lang="en-GB"/>
           </a:p>
@@ -723,7 +723,7 @@
           <a:p>
             <a:fld id="{E6744CE3-0875-4B69-89C0-6F72D8139561}" type="datetimeFigureOut">
               <a:rPr lang="en-GB" smtClean="0"/>
-              <a:t>30/07/2025</a:t>
+              <a:t>05/08/2025</a:t>
             </a:fld>
             <a:endParaRPr lang="en-GB"/>
           </a:p>
@@ -1011,7 +1011,7 @@
           <a:p>
             <a:fld id="{E6744CE3-0875-4B69-89C0-6F72D8139561}" type="datetimeFigureOut">
               <a:rPr lang="en-GB" smtClean="0"/>
-              <a:t>30/07/2025</a:t>
+              <a:t>05/08/2025</a:t>
             </a:fld>
             <a:endParaRPr lang="en-GB"/>
           </a:p>
@@ -1433,7 +1433,7 @@
           <a:p>
             <a:fld id="{E6744CE3-0875-4B69-89C0-6F72D8139561}" type="datetimeFigureOut">
               <a:rPr lang="en-GB" smtClean="0"/>
-              <a:t>30/07/2025</a:t>
+              <a:t>05/08/2025</a:t>
             </a:fld>
             <a:endParaRPr lang="en-GB"/>
           </a:p>
@@ -1551,7 +1551,7 @@
           <a:p>
             <a:fld id="{E6744CE3-0875-4B69-89C0-6F72D8139561}" type="datetimeFigureOut">
               <a:rPr lang="en-GB" smtClean="0"/>
-              <a:t>30/07/2025</a:t>
+              <a:t>05/08/2025</a:t>
             </a:fld>
             <a:endParaRPr lang="en-GB"/>
           </a:p>
@@ -1646,7 +1646,7 @@
           <a:p>
             <a:fld id="{E6744CE3-0875-4B69-89C0-6F72D8139561}" type="datetimeFigureOut">
               <a:rPr lang="en-GB" smtClean="0"/>
-              <a:t>30/07/2025</a:t>
+              <a:t>05/08/2025</a:t>
             </a:fld>
             <a:endParaRPr lang="en-GB"/>
           </a:p>
@@ -1859,7 +1859,7 @@
           <a:p>
             <a:fld id="{E6744CE3-0875-4B69-89C0-6F72D8139561}" type="datetimeFigureOut">
               <a:rPr lang="en-GB" smtClean="0"/>
-              <a:t>30/07/2025</a:t>
+              <a:t>05/08/2025</a:t>
             </a:fld>
             <a:endParaRPr lang="en-GB"/>
           </a:p>
@@ -2363,7 +2363,7 @@
                   <a:latin typeface="Aptos" panose="020B0004020202020204" pitchFamily="34" charset="0"/>
                   <a:cs typeface="Arial"/>
                 </a:rPr>
-                <a:t>TORC 1&amp;2</a:t>
+                <a:t>TORC1&amp;2</a:t>
               </a:r>
               <a:endParaRPr sz="3600" dirty="0">
                 <a:solidFill>
